--- a/spring/Java_자바_Spring_스프링_강의_09강_AOP-I.pptx
+++ b/spring/Java_자바_Spring_스프링_강의_09강_AOP-I.pptx
@@ -220,7 +220,7 @@
           <a:p>
             <a:fld id="{1EBA1ADC-3FB7-40DA-B2DE-355D9B030C78}" type="datetimeFigureOut">
               <a:rPr lang="ko-KR" altLang="en-US" smtClean="0"/>
-              <a:t>2022-02-17</a:t>
+              <a:t>2022-02-18</a:t>
             </a:fld>
             <a:endParaRPr lang="ko-KR" altLang="en-US"/>
           </a:p>
@@ -616,7 +616,7 @@
           <a:p>
             <a:fld id="{245FE9EB-5882-4F14-9D7A-E43319FAAE5D}" type="datetime1">
               <a:rPr lang="ko-KR" altLang="en-US" smtClean="0"/>
-              <a:t>2022-02-17</a:t>
+              <a:t>2022-02-18</a:t>
             </a:fld>
             <a:endParaRPr lang="ko-KR" altLang="en-US"/>
           </a:p>
@@ -868,7 +868,7 @@
           <a:p>
             <a:fld id="{148E5BE4-290A-4A67-9142-8569AAC90C2F}" type="datetime1">
               <a:rPr lang="ko-KR" altLang="en-US" smtClean="0"/>
-              <a:t>2022-02-17</a:t>
+              <a:t>2022-02-18</a:t>
             </a:fld>
             <a:endParaRPr lang="ko-KR" altLang="en-US"/>
           </a:p>
@@ -1036,7 +1036,7 @@
           <a:p>
             <a:fld id="{AABD7AA9-974F-41EE-AA93-9A7D5FC26AF0}" type="datetime1">
               <a:rPr lang="ko-KR" altLang="en-US" smtClean="0"/>
-              <a:t>2022-02-17</a:t>
+              <a:t>2022-02-18</a:t>
             </a:fld>
             <a:endParaRPr lang="ko-KR" altLang="en-US"/>
           </a:p>
@@ -1214,7 +1214,7 @@
           <a:p>
             <a:fld id="{CA6778F7-13A7-47A7-A538-4854C83EAB76}" type="datetime1">
               <a:rPr lang="ko-KR" altLang="en-US" smtClean="0"/>
-              <a:t>2022-02-17</a:t>
+              <a:t>2022-02-18</a:t>
             </a:fld>
             <a:endParaRPr lang="ko-KR" altLang="en-US"/>
           </a:p>
@@ -1382,7 +1382,7 @@
           <a:p>
             <a:fld id="{97E9BB34-6711-40F2-9C7B-47A61743D4AD}" type="datetime1">
               <a:rPr lang="ko-KR" altLang="en-US" smtClean="0"/>
-              <a:t>2022-02-17</a:t>
+              <a:t>2022-02-18</a:t>
             </a:fld>
             <a:endParaRPr lang="ko-KR" altLang="en-US"/>
           </a:p>
@@ -1627,7 +1627,7 @@
           <a:p>
             <a:fld id="{01BE0FF5-5FAF-43AE-9E0C-CC3EA1B81862}" type="datetime1">
               <a:rPr lang="ko-KR" altLang="en-US" smtClean="0"/>
-              <a:t>2022-02-17</a:t>
+              <a:t>2022-02-18</a:t>
             </a:fld>
             <a:endParaRPr lang="ko-KR" altLang="en-US"/>
           </a:p>
@@ -1856,7 +1856,7 @@
           <a:p>
             <a:fld id="{DAF9AB40-AB99-4455-AC5A-01B404C2C00C}" type="datetime1">
               <a:rPr lang="ko-KR" altLang="en-US" smtClean="0"/>
-              <a:t>2022-02-17</a:t>
+              <a:t>2022-02-18</a:t>
             </a:fld>
             <a:endParaRPr lang="ko-KR" altLang="en-US"/>
           </a:p>
@@ -2220,7 +2220,7 @@
           <a:p>
             <a:fld id="{0E3C0ECE-794B-4B99-8E02-3BB1152032F2}" type="datetime1">
               <a:rPr lang="ko-KR" altLang="en-US" smtClean="0"/>
-              <a:t>2022-02-17</a:t>
+              <a:t>2022-02-18</a:t>
             </a:fld>
             <a:endParaRPr lang="ko-KR" altLang="en-US"/>
           </a:p>
@@ -2337,7 +2337,7 @@
           <a:p>
             <a:fld id="{0F75503B-EE7A-4049-8A0E-70C0A8C6708E}" type="datetime1">
               <a:rPr lang="ko-KR" altLang="en-US" smtClean="0"/>
-              <a:t>2022-02-17</a:t>
+              <a:t>2022-02-18</a:t>
             </a:fld>
             <a:endParaRPr lang="ko-KR" altLang="en-US"/>
           </a:p>
@@ -3018,7 +3018,7 @@
           <a:p>
             <a:fld id="{9E6BA691-BC9B-4A68-9744-1B809170C141}" type="datetime1">
               <a:rPr lang="ko-KR" altLang="en-US" smtClean="0"/>
-              <a:t>2022-02-17</a:t>
+              <a:t>2022-02-18</a:t>
             </a:fld>
             <a:endParaRPr lang="ko-KR" altLang="en-US"/>
           </a:p>
@@ -3303,7 +3303,7 @@
           <a:p>
             <a:fld id="{BB5D5985-9155-4A4F-A545-EFF2E5BDFE10}" type="datetime1">
               <a:rPr lang="ko-KR" altLang="en-US" smtClean="0"/>
-              <a:t>2022-02-17</a:t>
+              <a:t>2022-02-18</a:t>
             </a:fld>
             <a:endParaRPr lang="ko-KR" altLang="en-US"/>
           </a:p>
@@ -3514,7 +3514,7 @@
           <a:p>
             <a:fld id="{F5078468-8E36-4528-8629-5ECE6BEC95B9}" type="datetime1">
               <a:rPr lang="ko-KR" altLang="en-US" smtClean="0"/>
-              <a:t>2022-02-17</a:t>
+              <a:t>2022-02-18</a:t>
             </a:fld>
             <a:endParaRPr lang="ko-KR" altLang="en-US"/>
           </a:p>
@@ -4988,8 +4988,8 @@
         </p:nvSpPr>
         <p:spPr>
           <a:xfrm>
-            <a:off x="1174377" y="4284212"/>
-            <a:ext cx="1400734" cy="261610"/>
+            <a:off x="1174376" y="4284212"/>
+            <a:ext cx="2117463" cy="261610"/>
           </a:xfrm>
           <a:prstGeom prst="rect">
             <a:avLst/>
@@ -5004,7 +5004,7 @@
           <a:p>
             <a:r>
               <a:rPr lang="en-US" altLang="ko-KR" sz="1100" dirty="0"/>
-              <a:t>XML</a:t>
+              <a:t>applicationCTX.xml</a:t>
             </a:r>
             <a:r>
               <a:rPr lang="ko-KR" altLang="en-US" sz="1100" dirty="0"/>
@@ -5022,7 +5022,7 @@
         </p:nvSpPr>
         <p:spPr>
           <a:xfrm>
-            <a:off x="6142892" y="5953815"/>
+            <a:off x="4381688" y="5874336"/>
             <a:ext cx="1290738" cy="276999"/>
           </a:xfrm>
           <a:prstGeom prst="rect">
@@ -5037,14 +5037,14 @@
           <a:lstStyle/>
           <a:p>
             <a:r>
-              <a:rPr lang="ko-KR" altLang="en-US" sz="1200"/>
+              <a:rPr lang="ko-KR" altLang="en-US" sz="1200" dirty="0"/>
               <a:t>메서드는</a:t>
             </a:r>
             <a:r>
-              <a:rPr lang="en-US" altLang="ko-KR" sz="1200"/>
+              <a:rPr lang="en-US" altLang="ko-KR" sz="1200" dirty="0"/>
               <a:t> advise</a:t>
             </a:r>
-            <a:endParaRPr lang="ko-KR" altLang="en-US" sz="1200"/>
+            <a:endParaRPr lang="ko-KR" altLang="en-US" sz="1200" dirty="0"/>
           </a:p>
         </p:txBody>
       </p:sp>
@@ -5151,6 +5151,61 @@
             <a:r>
               <a:rPr lang="ko-KR" altLang="en-US"/>
               <a:t> 방식</a:t>
+            </a:r>
+          </a:p>
+        </p:txBody>
+      </p:sp>
+      <p:sp>
+        <p:nvSpPr>
+          <p:cNvPr id="14" name="TextBox 13">
+            <a:extLst>
+              <a:ext uri="{FF2B5EF4-FFF2-40B4-BE49-F238E27FC236}">
+                <a16:creationId xmlns:a16="http://schemas.microsoft.com/office/drawing/2014/main" id="{77E720E4-8A93-4ABB-AE6E-DB5143573225}"/>
+              </a:ext>
+            </a:extLst>
+          </p:cNvPr>
+          <p:cNvSpPr txBox="1"/>
+          <p:nvPr/>
+        </p:nvSpPr>
+        <p:spPr>
+          <a:xfrm>
+            <a:off x="6400800" y="5953816"/>
+            <a:ext cx="4493623" cy="369332"/>
+          </a:xfrm>
+          <a:prstGeom prst="rect">
+            <a:avLst/>
+          </a:prstGeom>
+          <a:noFill/>
+        </p:spPr>
+        <p:txBody>
+          <a:bodyPr wrap="square" rtlCol="0">
+            <a:spAutoFit/>
+          </a:bodyPr>
+          <a:lstStyle/>
+          <a:p>
+            <a:r>
+              <a:rPr lang="en-US" altLang="ko-KR" dirty="0"/>
+              <a:t>Return</a:t>
+            </a:r>
+            <a:r>
+              <a:rPr lang="ko-KR" altLang="en-US" dirty="0"/>
+              <a:t>이 </a:t>
+            </a:r>
+            <a:r>
+              <a:rPr lang="en-US" altLang="ko-KR" dirty="0"/>
+              <a:t>try</a:t>
+            </a:r>
+            <a:r>
+              <a:rPr lang="ko-KR" altLang="en-US" dirty="0"/>
+              <a:t>에 있으면 </a:t>
+            </a:r>
+            <a:r>
+              <a:rPr lang="en-US" altLang="ko-KR" dirty="0"/>
+              <a:t>finally </a:t>
+            </a:r>
+            <a:r>
+              <a:rPr lang="ko-KR" altLang="en-US" dirty="0"/>
+              <a:t>이후에 실행</a:t>
             </a:r>
           </a:p>
         </p:txBody>
